--- a/A Greedy Heuristic Deployment strategy for VNFs<ver2.0>.pptx
+++ b/A Greedy Heuristic Deployment strategy for VNFs<ver2.0>.pptx
@@ -216,7 +216,7 @@
           <a:p>
             <a:fld id="{F882EEB1-3D64-4C5C-81C1-297EF2F2940E}" type="datetimeFigureOut">
               <a:rPr lang="zh-CN" altLang="en-US" smtClean="0"/>
-              <a:t>2017/12/3</a:t>
+              <a:t>2017/12/5</a:t>
             </a:fld>
             <a:endParaRPr lang="zh-CN" altLang="en-US"/>
           </a:p>
@@ -796,7 +796,7 @@
           <a:p>
             <a:fld id="{71B24F77-D39D-A04C-9AB7-9EDA183ECF7C}" type="datetimeFigureOut">
               <a:rPr kumimoji="1" lang="zh-CN" altLang="en-US" smtClean="0"/>
-              <a:t>2017/12/3</a:t>
+              <a:t>2017/12/5</a:t>
             </a:fld>
             <a:endParaRPr kumimoji="1" lang="zh-CN" altLang="en-US"/>
           </a:p>
@@ -966,7 +966,7 @@
           <a:p>
             <a:fld id="{71B24F77-D39D-A04C-9AB7-9EDA183ECF7C}" type="datetimeFigureOut">
               <a:rPr kumimoji="1" lang="zh-CN" altLang="en-US" smtClean="0"/>
-              <a:t>2017/12/3</a:t>
+              <a:t>2017/12/5</a:t>
             </a:fld>
             <a:endParaRPr kumimoji="1" lang="zh-CN" altLang="en-US"/>
           </a:p>
@@ -1146,7 +1146,7 @@
           <a:p>
             <a:fld id="{71B24F77-D39D-A04C-9AB7-9EDA183ECF7C}" type="datetimeFigureOut">
               <a:rPr kumimoji="1" lang="zh-CN" altLang="en-US" smtClean="0"/>
-              <a:t>2017/12/3</a:t>
+              <a:t>2017/12/5</a:t>
             </a:fld>
             <a:endParaRPr kumimoji="1" lang="zh-CN" altLang="en-US"/>
           </a:p>
@@ -1316,7 +1316,7 @@
           <a:p>
             <a:fld id="{71B24F77-D39D-A04C-9AB7-9EDA183ECF7C}" type="datetimeFigureOut">
               <a:rPr kumimoji="1" lang="zh-CN" altLang="en-US" smtClean="0"/>
-              <a:t>2017/12/3</a:t>
+              <a:t>2017/12/5</a:t>
             </a:fld>
             <a:endParaRPr kumimoji="1" lang="zh-CN" altLang="en-US"/>
           </a:p>
@@ -1562,7 +1562,7 @@
           <a:p>
             <a:fld id="{71B24F77-D39D-A04C-9AB7-9EDA183ECF7C}" type="datetimeFigureOut">
               <a:rPr kumimoji="1" lang="zh-CN" altLang="en-US" smtClean="0"/>
-              <a:t>2017/12/3</a:t>
+              <a:t>2017/12/5</a:t>
             </a:fld>
             <a:endParaRPr kumimoji="1" lang="zh-CN" altLang="en-US"/>
           </a:p>
@@ -1794,7 +1794,7 @@
           <a:p>
             <a:fld id="{71B24F77-D39D-A04C-9AB7-9EDA183ECF7C}" type="datetimeFigureOut">
               <a:rPr kumimoji="1" lang="zh-CN" altLang="en-US" smtClean="0"/>
-              <a:t>2017/12/3</a:t>
+              <a:t>2017/12/5</a:t>
             </a:fld>
             <a:endParaRPr kumimoji="1" lang="zh-CN" altLang="en-US"/>
           </a:p>
@@ -2161,7 +2161,7 @@
           <a:p>
             <a:fld id="{71B24F77-D39D-A04C-9AB7-9EDA183ECF7C}" type="datetimeFigureOut">
               <a:rPr kumimoji="1" lang="zh-CN" altLang="en-US" smtClean="0"/>
-              <a:t>2017/12/3</a:t>
+              <a:t>2017/12/5</a:t>
             </a:fld>
             <a:endParaRPr kumimoji="1" lang="zh-CN" altLang="en-US"/>
           </a:p>
@@ -2279,7 +2279,7 @@
           <a:p>
             <a:fld id="{71B24F77-D39D-A04C-9AB7-9EDA183ECF7C}" type="datetimeFigureOut">
               <a:rPr kumimoji="1" lang="zh-CN" altLang="en-US" smtClean="0"/>
-              <a:t>2017/12/3</a:t>
+              <a:t>2017/12/5</a:t>
             </a:fld>
             <a:endParaRPr kumimoji="1" lang="zh-CN" altLang="en-US"/>
           </a:p>
@@ -2374,7 +2374,7 @@
           <a:p>
             <a:fld id="{71B24F77-D39D-A04C-9AB7-9EDA183ECF7C}" type="datetimeFigureOut">
               <a:rPr kumimoji="1" lang="zh-CN" altLang="en-US" smtClean="0"/>
-              <a:t>2017/12/3</a:t>
+              <a:t>2017/12/5</a:t>
             </a:fld>
             <a:endParaRPr kumimoji="1" lang="zh-CN" altLang="en-US"/>
           </a:p>
@@ -2651,7 +2651,7 @@
           <a:p>
             <a:fld id="{71B24F77-D39D-A04C-9AB7-9EDA183ECF7C}" type="datetimeFigureOut">
               <a:rPr kumimoji="1" lang="zh-CN" altLang="en-US" smtClean="0"/>
-              <a:t>2017/12/3</a:t>
+              <a:t>2017/12/5</a:t>
             </a:fld>
             <a:endParaRPr kumimoji="1" lang="zh-CN" altLang="en-US"/>
           </a:p>
@@ -2904,7 +2904,7 @@
           <a:p>
             <a:fld id="{71B24F77-D39D-A04C-9AB7-9EDA183ECF7C}" type="datetimeFigureOut">
               <a:rPr kumimoji="1" lang="zh-CN" altLang="en-US" smtClean="0"/>
-              <a:t>2017/12/3</a:t>
+              <a:t>2017/12/5</a:t>
             </a:fld>
             <a:endParaRPr kumimoji="1" lang="zh-CN" altLang="en-US"/>
           </a:p>
@@ -3117,7 +3117,7 @@
           <a:p>
             <a:fld id="{71B24F77-D39D-A04C-9AB7-9EDA183ECF7C}" type="datetimeFigureOut">
               <a:rPr kumimoji="1" lang="zh-CN" altLang="en-US" smtClean="0"/>
-              <a:t>2017/12/3</a:t>
+              <a:t>2017/12/5</a:t>
             </a:fld>
             <a:endParaRPr kumimoji="1" lang="zh-CN" altLang="en-US"/>
           </a:p>
@@ -3755,7 +3755,23 @@
           <a:p>
             <a:r>
               <a:rPr lang="en-US" altLang="zh-CN" sz="2400" dirty="0"/>
-              <a:t>if the first choice is used, the whole physical nodes number is high which will increase the cost of nodes of the whole </a:t>
+              <a:t>if the first choice is used, the whole physical nodes number is high which will increase the cost of </a:t>
+            </a:r>
+            <a:r>
+              <a:rPr lang="en-US" altLang="zh-CN" sz="2400" dirty="0" smtClean="0"/>
+              <a:t>node</a:t>
+            </a:r>
+            <a:r>
+              <a:rPr lang="zh-CN" altLang="en-US" sz="2400" dirty="0" smtClean="0"/>
+              <a:t> </a:t>
+            </a:r>
+            <a:r>
+              <a:rPr lang="en-US" altLang="zh-CN" sz="2400" dirty="0" smtClean="0"/>
+              <a:t>resources </a:t>
+            </a:r>
+            <a:r>
+              <a:rPr lang="en-US" altLang="zh-CN" sz="2400" dirty="0"/>
+              <a:t>of the whole </a:t>
             </a:r>
             <a:r>
               <a:rPr lang="en-US" altLang="zh-CN" sz="2400" dirty="0" smtClean="0"/>
@@ -4344,7 +4360,7 @@
                       <a:srgbClr val="FF0000"/>
                     </a:solidFill>
                   </a:rPr>
-                  <a:t>How to deployed </a:t>
+                  <a:t>How to deploy </a:t>
                 </a:r>
                 <a:r>
                   <a:rPr lang="en-US" altLang="zh-CN" sz="4800" b="1" dirty="0">
@@ -4426,10 +4442,10 @@
               <a:prstGeom prst="rect">
                 <a:avLst/>
               </a:prstGeom>
-              <a:blipFill>
+              <a:blipFill rotWithShape="0">
                 <a:blip r:embed="rId4"/>
                 <a:stretch>
-                  <a:fillRect l="-4233" t="-16058" r="-10724" b="-37956"/>
+                  <a:fillRect l="-4233" t="-16058" b="-37956"/>
                 </a:stretch>
               </a:blipFill>
             </p:spPr>
@@ -6270,7 +6286,11 @@
             </a:r>
             <a:r>
               <a:rPr lang="en-US" altLang="zh-CN" sz="2800" dirty="0"/>
-              <a:t>is 10 and the floating requirement of node a is 5 and the possibility is 0.3.</a:t>
+              <a:t>is 10 and the floating requirement of node a is 5 and the possibility is </a:t>
+            </a:r>
+            <a:r>
+              <a:rPr lang="en-US" altLang="zh-CN" sz="2800" dirty="0" smtClean="0"/>
+              <a:t>0.5.</a:t>
             </a:r>
             <a:endParaRPr lang="zh-CN" altLang="en-US" sz="2800" dirty="0"/>
           </a:p>
@@ -8617,7 +8637,15 @@
           <a:p>
             <a:r>
               <a:rPr kumimoji="1" lang="en-US" altLang="zh-CN" sz="3600" dirty="0" smtClean="0"/>
-              <a:t>Dynamic programming </a:t>
+              <a:t>Greedy</a:t>
+            </a:r>
+            <a:r>
+              <a:rPr kumimoji="1" lang="zh-CN" altLang="en-US" sz="3600" dirty="0" smtClean="0"/>
+              <a:t> </a:t>
+            </a:r>
+            <a:r>
+              <a:rPr kumimoji="1" lang="en-US" altLang="zh-CN" sz="3600" dirty="0" smtClean="0"/>
+              <a:t>algorithm</a:t>
             </a:r>
           </a:p>
         </p:txBody>
@@ -11919,6 +11947,97 @@
                       </p:childTnLst>
                     </p:cTn>
                   </p:par>
+                  <p:par>
+                    <p:cTn id="39" fill="hold">
+                      <p:stCondLst>
+                        <p:cond delay="indefinite"/>
+                      </p:stCondLst>
+                      <p:childTnLst>
+                        <p:par>
+                          <p:cTn id="40" fill="hold">
+                            <p:stCondLst>
+                              <p:cond delay="0"/>
+                            </p:stCondLst>
+                            <p:childTnLst>
+                              <p:par>
+                                <p:cTn id="41" presetID="2" presetClass="entr" presetSubtype="4" fill="hold" grpId="0" nodeType="clickEffect">
+                                  <p:stCondLst>
+                                    <p:cond delay="0"/>
+                                  </p:stCondLst>
+                                  <p:childTnLst>
+                                    <p:set>
+                                      <p:cBhvr>
+                                        <p:cTn id="42" dur="1" fill="hold">
+                                          <p:stCondLst>
+                                            <p:cond delay="0"/>
+                                          </p:stCondLst>
+                                        </p:cTn>
+                                        <p:tgtEl>
+                                          <p:spTgt spid="33"/>
+                                        </p:tgtEl>
+                                        <p:attrNameLst>
+                                          <p:attrName>style.visibility</p:attrName>
+                                        </p:attrNameLst>
+                                      </p:cBhvr>
+                                      <p:to>
+                                        <p:strVal val="visible"/>
+                                      </p:to>
+                                    </p:set>
+                                    <p:anim calcmode="lin" valueType="num">
+                                      <p:cBhvr additive="base">
+                                        <p:cTn id="43" dur="500" fill="hold"/>
+                                        <p:tgtEl>
+                                          <p:spTgt spid="33"/>
+                                        </p:tgtEl>
+                                        <p:attrNameLst>
+                                          <p:attrName>ppt_x</p:attrName>
+                                        </p:attrNameLst>
+                                      </p:cBhvr>
+                                      <p:tavLst>
+                                        <p:tav tm="0">
+                                          <p:val>
+                                            <p:strVal val="#ppt_x"/>
+                                          </p:val>
+                                        </p:tav>
+                                        <p:tav tm="100000">
+                                          <p:val>
+                                            <p:strVal val="#ppt_x"/>
+                                          </p:val>
+                                        </p:tav>
+                                      </p:tavLst>
+                                    </p:anim>
+                                    <p:anim calcmode="lin" valueType="num">
+                                      <p:cBhvr additive="base">
+                                        <p:cTn id="44" dur="500" fill="hold"/>
+                                        <p:tgtEl>
+                                          <p:spTgt spid="33"/>
+                                        </p:tgtEl>
+                                        <p:attrNameLst>
+                                          <p:attrName>ppt_y</p:attrName>
+                                        </p:attrNameLst>
+                                      </p:cBhvr>
+                                      <p:tavLst>
+                                        <p:tav tm="0">
+                                          <p:val>
+                                            <p:strVal val="1+#ppt_h/2"/>
+                                          </p:val>
+                                        </p:tav>
+                                        <p:tav tm="100000">
+                                          <p:val>
+                                            <p:strVal val="#ppt_y"/>
+                                          </p:val>
+                                        </p:tav>
+                                      </p:tavLst>
+                                    </p:anim>
+                                  </p:childTnLst>
+                                </p:cTn>
+                              </p:par>
+                            </p:childTnLst>
+                          </p:cTn>
+                        </p:par>
+                      </p:childTnLst>
+                    </p:cTn>
+                  </p:par>
                 </p:childTnLst>
               </p:cTn>
               <p:prevCondLst>
@@ -11941,6 +12060,7 @@
       </p:par>
     </p:tnLst>
     <p:bldLst>
+      <p:bldP spid="33" grpId="0"/>
       <p:bldP spid="4" grpId="0"/>
       <p:bldP spid="5" grpId="0" animBg="1"/>
       <p:bldP spid="24" grpId="0" animBg="1"/>
@@ -12118,88 +12238,9 @@
   <p:timing>
     <p:tnLst>
       <p:par>
-        <p:cTn id="1" dur="indefinite" restart="never" nodeType="tmRoot">
-          <p:childTnLst>
-            <p:seq concurrent="1" nextAc="seek">
-              <p:cTn id="2" dur="indefinite" nodeType="mainSeq">
-                <p:childTnLst>
-                  <p:par>
-                    <p:cTn id="3" fill="hold">
-                      <p:stCondLst>
-                        <p:cond delay="indefinite"/>
-                      </p:stCondLst>
-                      <p:childTnLst>
-                        <p:par>
-                          <p:cTn id="4" fill="hold">
-                            <p:stCondLst>
-                              <p:cond delay="0"/>
-                            </p:stCondLst>
-                            <p:childTnLst>
-                              <p:par>
-                                <p:cTn id="5" presetID="6" presetClass="entr" presetSubtype="16" fill="hold" grpId="0" nodeType="clickEffect">
-                                  <p:stCondLst>
-                                    <p:cond delay="0"/>
-                                  </p:stCondLst>
-                                  <p:childTnLst>
-                                    <p:set>
-                                      <p:cBhvr>
-                                        <p:cTn id="6" dur="1" fill="hold">
-                                          <p:stCondLst>
-                                            <p:cond delay="0"/>
-                                          </p:stCondLst>
-                                        </p:cTn>
-                                        <p:tgtEl>
-                                          <p:spTgt spid="4"/>
-                                        </p:tgtEl>
-                                        <p:attrNameLst>
-                                          <p:attrName>style.visibility</p:attrName>
-                                        </p:attrNameLst>
-                                      </p:cBhvr>
-                                      <p:to>
-                                        <p:strVal val="visible"/>
-                                      </p:to>
-                                    </p:set>
-                                    <p:animEffect transition="in" filter="circle(in)">
-                                      <p:cBhvr>
-                                        <p:cTn id="7" dur="2000"/>
-                                        <p:tgtEl>
-                                          <p:spTgt spid="4"/>
-                                        </p:tgtEl>
-                                      </p:cBhvr>
-                                    </p:animEffect>
-                                  </p:childTnLst>
-                                </p:cTn>
-                              </p:par>
-                            </p:childTnLst>
-                          </p:cTn>
-                        </p:par>
-                      </p:childTnLst>
-                    </p:cTn>
-                  </p:par>
-                </p:childTnLst>
-              </p:cTn>
-              <p:prevCondLst>
-                <p:cond evt="onPrev" delay="0">
-                  <p:tgtEl>
-                    <p:sldTgt/>
-                  </p:tgtEl>
-                </p:cond>
-              </p:prevCondLst>
-              <p:nextCondLst>
-                <p:cond evt="onNext" delay="0">
-                  <p:tgtEl>
-                    <p:sldTgt/>
-                  </p:tgtEl>
-                </p:cond>
-              </p:nextCondLst>
-            </p:seq>
-          </p:childTnLst>
-        </p:cTn>
+        <p:cTn id="1" dur="indefinite" restart="never" nodeType="tmRoot"/>
       </p:par>
     </p:tnLst>
-    <p:bldLst>
-      <p:bldP spid="4" grpId="0"/>
-    </p:bldLst>
   </p:timing>
 </p:sld>
 </file>
@@ -12749,8 +12790,8 @@
           </a:gradFill>
         </p:spPr>
       </p:pic>
-      <mc:AlternateContent xmlns:mc="http://schemas.openxmlformats.org/markup-compatibility/2006">
-        <mc:Choice xmlns:a14="http://schemas.microsoft.com/office/drawing/2010/main" Requires="a14">
+      <mc:AlternateContent xmlns:mc="http://schemas.openxmlformats.org/markup-compatibility/2006" xmlns:a14="http://schemas.microsoft.com/office/drawing/2010/main">
+        <mc:Choice Requires="a14">
           <p:sp>
             <p:nvSpPr>
               <p:cNvPr id="10" name="文本框 9"/>
@@ -12830,7 +12871,7 @@
                       <m:dPr>
                         <m:ctrlPr>
                           <a:rPr lang="en-US" altLang="zh-CN" i="1">
-                            <a:latin typeface="Cambria Math" panose="02040503050406030204" pitchFamily="18" charset="0"/>
+                            <a:latin typeface="Cambria Math" charset="0"/>
                           </a:rPr>
                         </m:ctrlPr>
                       </m:dPr>
@@ -13024,7 +13065,7 @@
             </p:txBody>
           </p:sp>
         </mc:Choice>
-        <mc:Fallback>
+        <mc:Fallback xmlns="">
           <p:sp>
             <p:nvSpPr>
               <p:cNvPr id="10" name="文本框 9"/>
@@ -13100,299 +13141,9 @@
   <p:timing>
     <p:tnLst>
       <p:par>
-        <p:cTn id="1" dur="indefinite" restart="never" nodeType="tmRoot">
-          <p:childTnLst>
-            <p:seq concurrent="1" nextAc="seek">
-              <p:cTn id="2" dur="indefinite" nodeType="mainSeq">
-                <p:childTnLst>
-                  <p:par>
-                    <p:cTn id="3" fill="hold">
-                      <p:stCondLst>
-                        <p:cond delay="indefinite"/>
-                      </p:stCondLst>
-                      <p:childTnLst>
-                        <p:par>
-                          <p:cTn id="4" fill="hold">
-                            <p:stCondLst>
-                              <p:cond delay="0"/>
-                            </p:stCondLst>
-                            <p:childTnLst>
-                              <p:par>
-                                <p:cTn id="5" presetID="2" presetClass="entr" presetSubtype="4" fill="hold" grpId="0" nodeType="clickEffect">
-                                  <p:stCondLst>
-                                    <p:cond delay="0"/>
-                                  </p:stCondLst>
-                                  <p:childTnLst>
-                                    <p:set>
-                                      <p:cBhvr>
-                                        <p:cTn id="6" dur="1" fill="hold">
-                                          <p:stCondLst>
-                                            <p:cond delay="0"/>
-                                          </p:stCondLst>
-                                        </p:cTn>
-                                        <p:tgtEl>
-                                          <p:spTgt spid="8"/>
-                                        </p:tgtEl>
-                                        <p:attrNameLst>
-                                          <p:attrName>style.visibility</p:attrName>
-                                        </p:attrNameLst>
-                                      </p:cBhvr>
-                                      <p:to>
-                                        <p:strVal val="visible"/>
-                                      </p:to>
-                                    </p:set>
-                                    <p:anim calcmode="lin" valueType="num">
-                                      <p:cBhvr additive="base">
-                                        <p:cTn id="7" dur="500" fill="hold"/>
-                                        <p:tgtEl>
-                                          <p:spTgt spid="8"/>
-                                        </p:tgtEl>
-                                        <p:attrNameLst>
-                                          <p:attrName>ppt_x</p:attrName>
-                                        </p:attrNameLst>
-                                      </p:cBhvr>
-                                      <p:tavLst>
-                                        <p:tav tm="0">
-                                          <p:val>
-                                            <p:strVal val="#ppt_x"/>
-                                          </p:val>
-                                        </p:tav>
-                                        <p:tav tm="100000">
-                                          <p:val>
-                                            <p:strVal val="#ppt_x"/>
-                                          </p:val>
-                                        </p:tav>
-                                      </p:tavLst>
-                                    </p:anim>
-                                    <p:anim calcmode="lin" valueType="num">
-                                      <p:cBhvr additive="base">
-                                        <p:cTn id="8" dur="500" fill="hold"/>
-                                        <p:tgtEl>
-                                          <p:spTgt spid="8"/>
-                                        </p:tgtEl>
-                                        <p:attrNameLst>
-                                          <p:attrName>ppt_y</p:attrName>
-                                        </p:attrNameLst>
-                                      </p:cBhvr>
-                                      <p:tavLst>
-                                        <p:tav tm="0">
-                                          <p:val>
-                                            <p:strVal val="1+#ppt_h/2"/>
-                                          </p:val>
-                                        </p:tav>
-                                        <p:tav tm="100000">
-                                          <p:val>
-                                            <p:strVal val="#ppt_y"/>
-                                          </p:val>
-                                        </p:tav>
-                                      </p:tavLst>
-                                    </p:anim>
-                                  </p:childTnLst>
-                                </p:cTn>
-                              </p:par>
-                              <p:par>
-                                <p:cTn id="9" presetID="2" presetClass="entr" presetSubtype="4" fill="hold" nodeType="withEffect">
-                                  <p:stCondLst>
-                                    <p:cond delay="0"/>
-                                  </p:stCondLst>
-                                  <p:childTnLst>
-                                    <p:set>
-                                      <p:cBhvr>
-                                        <p:cTn id="10" dur="1" fill="hold">
-                                          <p:stCondLst>
-                                            <p:cond delay="0"/>
-                                          </p:stCondLst>
-                                        </p:cTn>
-                                        <p:tgtEl>
-                                          <p:spTgt spid="9"/>
-                                        </p:tgtEl>
-                                        <p:attrNameLst>
-                                          <p:attrName>style.visibility</p:attrName>
-                                        </p:attrNameLst>
-                                      </p:cBhvr>
-                                      <p:to>
-                                        <p:strVal val="visible"/>
-                                      </p:to>
-                                    </p:set>
-                                    <p:anim calcmode="lin" valueType="num">
-                                      <p:cBhvr additive="base">
-                                        <p:cTn id="11" dur="500" fill="hold"/>
-                                        <p:tgtEl>
-                                          <p:spTgt spid="9"/>
-                                        </p:tgtEl>
-                                        <p:attrNameLst>
-                                          <p:attrName>ppt_x</p:attrName>
-                                        </p:attrNameLst>
-                                      </p:cBhvr>
-                                      <p:tavLst>
-                                        <p:tav tm="0">
-                                          <p:val>
-                                            <p:strVal val="#ppt_x"/>
-                                          </p:val>
-                                        </p:tav>
-                                        <p:tav tm="100000">
-                                          <p:val>
-                                            <p:strVal val="#ppt_x"/>
-                                          </p:val>
-                                        </p:tav>
-                                      </p:tavLst>
-                                    </p:anim>
-                                    <p:anim calcmode="lin" valueType="num">
-                                      <p:cBhvr additive="base">
-                                        <p:cTn id="12" dur="500" fill="hold"/>
-                                        <p:tgtEl>
-                                          <p:spTgt spid="9"/>
-                                        </p:tgtEl>
-                                        <p:attrNameLst>
-                                          <p:attrName>ppt_y</p:attrName>
-                                        </p:attrNameLst>
-                                      </p:cBhvr>
-                                      <p:tavLst>
-                                        <p:tav tm="0">
-                                          <p:val>
-                                            <p:strVal val="1+#ppt_h/2"/>
-                                          </p:val>
-                                        </p:tav>
-                                        <p:tav tm="100000">
-                                          <p:val>
-                                            <p:strVal val="#ppt_y"/>
-                                          </p:val>
-                                        </p:tav>
-                                      </p:tavLst>
-                                    </p:anim>
-                                  </p:childTnLst>
-                                </p:cTn>
-                              </p:par>
-                            </p:childTnLst>
-                          </p:cTn>
-                        </p:par>
-                      </p:childTnLst>
-                    </p:cTn>
-                  </p:par>
-                  <p:par>
-                    <p:cTn id="13" fill="hold">
-                      <p:stCondLst>
-                        <p:cond delay="indefinite"/>
-                      </p:stCondLst>
-                      <p:childTnLst>
-                        <p:par>
-                          <p:cTn id="14" fill="hold">
-                            <p:stCondLst>
-                              <p:cond delay="0"/>
-                            </p:stCondLst>
-                            <p:childTnLst>
-                              <p:par>
-                                <p:cTn id="15" presetID="42" presetClass="entr" presetSubtype="0" fill="hold" grpId="0" nodeType="clickEffect">
-                                  <p:stCondLst>
-                                    <p:cond delay="0"/>
-                                  </p:stCondLst>
-                                  <p:childTnLst>
-                                    <p:set>
-                                      <p:cBhvr>
-                                        <p:cTn id="16" dur="1" fill="hold">
-                                          <p:stCondLst>
-                                            <p:cond delay="0"/>
-                                          </p:stCondLst>
-                                        </p:cTn>
-                                        <p:tgtEl>
-                                          <p:spTgt spid="10"/>
-                                        </p:tgtEl>
-                                        <p:attrNameLst>
-                                          <p:attrName>style.visibility</p:attrName>
-                                        </p:attrNameLst>
-                                      </p:cBhvr>
-                                      <p:to>
-                                        <p:strVal val="visible"/>
-                                      </p:to>
-                                    </p:set>
-                                    <p:animEffect transition="in" filter="fade">
-                                      <p:cBhvr>
-                                        <p:cTn id="17" dur="1000"/>
-                                        <p:tgtEl>
-                                          <p:spTgt spid="10"/>
-                                        </p:tgtEl>
-                                      </p:cBhvr>
-                                    </p:animEffect>
-                                    <p:anim calcmode="lin" valueType="num">
-                                      <p:cBhvr>
-                                        <p:cTn id="18" dur="1000" fill="hold"/>
-                                        <p:tgtEl>
-                                          <p:spTgt spid="10"/>
-                                        </p:tgtEl>
-                                        <p:attrNameLst>
-                                          <p:attrName>ppt_x</p:attrName>
-                                        </p:attrNameLst>
-                                      </p:cBhvr>
-                                      <p:tavLst>
-                                        <p:tav tm="0">
-                                          <p:val>
-                                            <p:strVal val="#ppt_x"/>
-                                          </p:val>
-                                        </p:tav>
-                                        <p:tav tm="100000">
-                                          <p:val>
-                                            <p:strVal val="#ppt_x"/>
-                                          </p:val>
-                                        </p:tav>
-                                      </p:tavLst>
-                                    </p:anim>
-                                    <p:anim calcmode="lin" valueType="num">
-                                      <p:cBhvr>
-                                        <p:cTn id="19" dur="1000" fill="hold"/>
-                                        <p:tgtEl>
-                                          <p:spTgt spid="10"/>
-                                        </p:tgtEl>
-                                        <p:attrNameLst>
-                                          <p:attrName>ppt_y</p:attrName>
-                                        </p:attrNameLst>
-                                      </p:cBhvr>
-                                      <p:tavLst>
-                                        <p:tav tm="0">
-                                          <p:val>
-                                            <p:strVal val="#ppt_y+.1"/>
-                                          </p:val>
-                                        </p:tav>
-                                        <p:tav tm="100000">
-                                          <p:val>
-                                            <p:strVal val="#ppt_y"/>
-                                          </p:val>
-                                        </p:tav>
-                                      </p:tavLst>
-                                    </p:anim>
-                                  </p:childTnLst>
-                                </p:cTn>
-                              </p:par>
-                            </p:childTnLst>
-                          </p:cTn>
-                        </p:par>
-                      </p:childTnLst>
-                    </p:cTn>
-                  </p:par>
-                </p:childTnLst>
-              </p:cTn>
-              <p:prevCondLst>
-                <p:cond evt="onPrev" delay="0">
-                  <p:tgtEl>
-                    <p:sldTgt/>
-                  </p:tgtEl>
-                </p:cond>
-              </p:prevCondLst>
-              <p:nextCondLst>
-                <p:cond evt="onNext" delay="0">
-                  <p:tgtEl>
-                    <p:sldTgt/>
-                  </p:tgtEl>
-                </p:cond>
-              </p:nextCondLst>
-            </p:seq>
-          </p:childTnLst>
-        </p:cTn>
+        <p:cTn id="1" dur="indefinite" restart="never" nodeType="tmRoot"/>
       </p:par>
     </p:tnLst>
-    <p:bldLst>
-      <p:bldP spid="8" grpId="0" animBg="1"/>
-      <p:bldP spid="10" grpId="0"/>
-    </p:bldLst>
   </p:timing>
 </p:sld>
 </file>
@@ -15941,7 +15692,7 @@
                                         <p:tgtEl>
                                           <p:spTgt spid="3">
                                             <p:txEl>
-                                              <p:pRg st="0" end="0"/>
+                                              <p:pRg st="1" end="1"/>
                                             </p:txEl>
                                           </p:spTgt>
                                         </p:tgtEl>
@@ -15975,7 +15726,7 @@
                             </p:stCondLst>
                             <p:childTnLst>
                               <p:par>
-                                <p:cTn id="9" presetID="1" presetClass="entr" presetSubtype="0" fill="hold" grpId="0" nodeType="clickEffect">
+                                <p:cTn id="9" presetID="2" presetClass="entr" presetSubtype="4" fill="hold" grpId="0" nodeType="clickEffect">
                                   <p:stCondLst>
                                     <p:cond delay="0"/>
                                   </p:stCondLst>
@@ -15983,55 +15734,6 @@
                                     <p:set>
                                       <p:cBhvr>
                                         <p:cTn id="10" dur="1" fill="hold">
-                                          <p:stCondLst>
-                                            <p:cond delay="0"/>
-                                          </p:stCondLst>
-                                        </p:cTn>
-                                        <p:tgtEl>
-                                          <p:spTgt spid="3">
-                                            <p:txEl>
-                                              <p:pRg st="1" end="1"/>
-                                            </p:txEl>
-                                          </p:spTgt>
-                                        </p:tgtEl>
-                                        <p:attrNameLst>
-                                          <p:attrName>style.visibility</p:attrName>
-                                        </p:attrNameLst>
-                                      </p:cBhvr>
-                                      <p:to>
-                                        <p:strVal val="visible"/>
-                                      </p:to>
-                                    </p:set>
-                                  </p:childTnLst>
-                                </p:cTn>
-                              </p:par>
-                            </p:childTnLst>
-                          </p:cTn>
-                        </p:par>
-                      </p:childTnLst>
-                    </p:cTn>
-                  </p:par>
-                  <p:par>
-                    <p:cTn id="11" fill="hold">
-                      <p:stCondLst>
-                        <p:cond delay="indefinite"/>
-                      </p:stCondLst>
-                      <p:childTnLst>
-                        <p:par>
-                          <p:cTn id="12" fill="hold">
-                            <p:stCondLst>
-                              <p:cond delay="0"/>
-                            </p:stCondLst>
-                            <p:childTnLst>
-                              <p:par>
-                                <p:cTn id="13" presetID="2" presetClass="entr" presetSubtype="4" fill="hold" grpId="0" nodeType="clickEffect">
-                                  <p:stCondLst>
-                                    <p:cond delay="0"/>
-                                  </p:stCondLst>
-                                  <p:childTnLst>
-                                    <p:set>
-                                      <p:cBhvr>
-                                        <p:cTn id="14" dur="1" fill="hold">
                                           <p:stCondLst>
                                             <p:cond delay="0"/>
                                           </p:stCondLst>
@@ -16053,7 +15755,7 @@
                                     </p:set>
                                     <p:anim calcmode="lin" valueType="num">
                                       <p:cBhvr additive="base">
-                                        <p:cTn id="15" dur="500" fill="hold"/>
+                                        <p:cTn id="11" dur="500" fill="hold"/>
                                         <p:tgtEl>
                                           <p:spTgt spid="5">
                                             <p:txEl>
@@ -16080,7 +15782,7 @@
                                     </p:anim>
                                     <p:anim calcmode="lin" valueType="num">
                                       <p:cBhvr additive="base">
-                                        <p:cTn id="16" dur="500" fill="hold"/>
+                                        <p:cTn id="12" dur="500" fill="hold"/>
                                         <p:tgtEl>
                                           <p:spTgt spid="5">
                                             <p:txEl>
@@ -16115,26 +15817,26 @@
                     </p:cTn>
                   </p:par>
                   <p:par>
-                    <p:cTn id="17" fill="hold">
+                    <p:cTn id="13" fill="hold">
                       <p:stCondLst>
                         <p:cond delay="indefinite"/>
                       </p:stCondLst>
                       <p:childTnLst>
                         <p:par>
-                          <p:cTn id="18" fill="hold">
+                          <p:cTn id="14" fill="hold">
                             <p:stCondLst>
                               <p:cond delay="0"/>
                             </p:stCondLst>
                             <p:childTnLst>
                               <p:par>
-                                <p:cTn id="19" presetID="2" presetClass="entr" presetSubtype="4" fill="hold" grpId="0" nodeType="clickEffect">
+                                <p:cTn id="15" presetID="2" presetClass="entr" presetSubtype="4" fill="hold" grpId="0" nodeType="clickEffect">
                                   <p:stCondLst>
                                     <p:cond delay="0"/>
                                   </p:stCondLst>
                                   <p:childTnLst>
                                     <p:set>
                                       <p:cBhvr>
-                                        <p:cTn id="20" dur="1" fill="hold">
+                                        <p:cTn id="16" dur="1" fill="hold">
                                           <p:stCondLst>
                                             <p:cond delay="0"/>
                                           </p:stCondLst>
@@ -16156,7 +15858,7 @@
                                     </p:set>
                                     <p:anim calcmode="lin" valueType="num">
                                       <p:cBhvr additive="base">
-                                        <p:cTn id="21" dur="500" fill="hold"/>
+                                        <p:cTn id="17" dur="500" fill="hold"/>
                                         <p:tgtEl>
                                           <p:spTgt spid="5">
                                             <p:txEl>
@@ -16183,7 +15885,7 @@
                                     </p:anim>
                                     <p:anim calcmode="lin" valueType="num">
                                       <p:cBhvr additive="base">
-                                        <p:cTn id="22" dur="500" fill="hold"/>
+                                        <p:cTn id="18" dur="500" fill="hold"/>
                                         <p:tgtEl>
                                           <p:spTgt spid="5">
                                             <p:txEl>
@@ -16218,26 +15920,26 @@
                     </p:cTn>
                   </p:par>
                   <p:par>
-                    <p:cTn id="23" fill="hold">
+                    <p:cTn id="19" fill="hold">
                       <p:stCondLst>
                         <p:cond delay="indefinite"/>
                       </p:stCondLst>
                       <p:childTnLst>
                         <p:par>
-                          <p:cTn id="24" fill="hold">
+                          <p:cTn id="20" fill="hold">
                             <p:stCondLst>
                               <p:cond delay="0"/>
                             </p:stCondLst>
                             <p:childTnLst>
                               <p:par>
-                                <p:cTn id="25" presetID="12" presetClass="entr" presetSubtype="4" fill="hold" grpId="0" nodeType="clickEffect">
+                                <p:cTn id="21" presetID="12" presetClass="entr" presetSubtype="4" fill="hold" grpId="0" nodeType="clickEffect">
                                   <p:stCondLst>
                                     <p:cond delay="0"/>
                                   </p:stCondLst>
                                   <p:childTnLst>
                                     <p:set>
                                       <p:cBhvr>
-                                        <p:cTn id="26" dur="1" fill="hold">
+                                        <p:cTn id="22" dur="1" fill="hold">
                                           <p:stCondLst>
                                             <p:cond delay="0"/>
                                           </p:stCondLst>
@@ -16255,7 +15957,7 @@
                                     </p:set>
                                     <p:anim calcmode="lin" valueType="num">
                                       <p:cBhvr additive="base">
-                                        <p:cTn id="27" dur="500"/>
+                                        <p:cTn id="23" dur="500"/>
                                         <p:tgtEl>
                                           <p:spTgt spid="6"/>
                                         </p:tgtEl>
@@ -16278,7 +15980,7 @@
                                     </p:anim>
                                     <p:animEffect transition="in" filter="wipe(up)">
                                       <p:cBhvr>
-                                        <p:cTn id="28" dur="500"/>
+                                        <p:cTn id="24" dur="500"/>
                                         <p:tgtEl>
                                           <p:spTgt spid="6"/>
                                         </p:tgtEl>
